--- a/doc/internal_meeting_materials/meeting_materials_qdrone_internal_20190411_updated.pptx
+++ b/doc/internal_meeting_materials/meeting_materials_qdrone_internal_20190411_updated.pptx
@@ -30342,7 +30342,7 @@
           <p:nvPr>
             <p:extLst>
               <p:ext uri="{D42A27DB-BD31-4B8C-83A1-F6EECF244321}">
-                <p14:modId xmlns:p14="http://schemas.microsoft.com/office/powerpoint/2010/main" val="1614137606"/>
+                <p14:modId xmlns:p14="http://schemas.microsoft.com/office/powerpoint/2010/main" val="1663179843"/>
               </p:ext>
             </p:extLst>
           </p:nvPr>
@@ -30901,6 +30901,16 @@
                   <a:txBody>
                     <a:bodyPr/>
                     <a:lstStyle/>
+                    <a:p>
+                      <a:pPr algn="ctr"/>
+                      <a:r>
+                        <a:rPr lang="en-CA" sz="1200" dirty="0">
+                          <a:latin typeface="Arial" panose="020B0604020202020204" pitchFamily="34" charset="0"/>
+                          <a:cs typeface="Arial" panose="020B0604020202020204" pitchFamily="34" charset="0"/>
+                        </a:rPr>
+                        <a:t>UWB-aided</a:t>
+                      </a:r>
+                    </a:p>
                     <a:p>
                       <a:pPr algn="ctr"/>
                       <a:r>
@@ -33307,8 +33317,8 @@
               <a:t>Implementation of Waypoint Following </a:t>
             </a:r>
             <a:r>
-              <a:rPr lang="en-CA" baseline="30000" dirty="0"/>
-              <a:t>(4/)</a:t>
+              <a:rPr lang="en-CA" baseline="30000"/>
+              <a:t>(4/4)</a:t>
             </a:r>
             <a:endParaRPr lang="en-CA" dirty="0"/>
           </a:p>
